--- a/ppt 16-9/0552.我的罪何等重大.pptx
+++ b/ppt 16-9/0552.我的罪何等重大.pptx
@@ -5,7 +5,7 @@
     <p:sldMasterId id="2147483648" r:id="rId1"/>
   </p:sldMasterIdLst>
   <p:sldIdLst>
-    <p:sldId id="2306" r:id="rId2"/>
+    <p:sldId id="2307" r:id="rId2"/>
   </p:sldIdLst>
   <p:sldSz cx="12192000" cy="6858000"/>
   <p:notesSz cx="6858000" cy="9144000"/>
@@ -129,7 +129,7 @@
           <p:cNvPr id="2" name="标题 1">
             <a:extLst>
               <a:ext uri="{FF2B5EF4-FFF2-40B4-BE49-F238E27FC236}">
-                <a16:creationId xmlns:a16="http://schemas.microsoft.com/office/drawing/2014/main" id="{FF811917-8767-76DD-2736-CC5DA5A4D39A}"/>
+                <a16:creationId xmlns:a16="http://schemas.microsoft.com/office/drawing/2014/main" id="{3DDFA215-027B-16C8-3014-270777C2999D}"/>
               </a:ext>
             </a:extLst>
           </p:cNvPr>
@@ -166,7 +166,7 @@
           <p:cNvPr id="3" name="副标题 2">
             <a:extLst>
               <a:ext uri="{FF2B5EF4-FFF2-40B4-BE49-F238E27FC236}">
-                <a16:creationId xmlns:a16="http://schemas.microsoft.com/office/drawing/2014/main" id="{756DABCB-E63E-8916-CEB4-947E0A2BDDF8}"/>
+                <a16:creationId xmlns:a16="http://schemas.microsoft.com/office/drawing/2014/main" id="{1525F23E-44EE-21DE-A50C-4CA5B7D34A8C}"/>
               </a:ext>
             </a:extLst>
           </p:cNvPr>
@@ -236,7 +236,7 @@
           <p:cNvPr id="4" name="日期占位符 3">
             <a:extLst>
               <a:ext uri="{FF2B5EF4-FFF2-40B4-BE49-F238E27FC236}">
-                <a16:creationId xmlns:a16="http://schemas.microsoft.com/office/drawing/2014/main" id="{434D0614-B990-0890-0C60-BA44E6845971}"/>
+                <a16:creationId xmlns:a16="http://schemas.microsoft.com/office/drawing/2014/main" id="{7FFAE1B0-1079-B2E1-B3FA-AF5EE299031A}"/>
               </a:ext>
             </a:extLst>
           </p:cNvPr>
@@ -252,7 +252,7 @@
           <a:bodyPr/>
           <a:lstStyle/>
           <a:p>
-            <a:fld id="{83E52DC7-BEDC-4079-88F6-79EC0663574A}" type="datetimeFigureOut">
+            <a:fld id="{90EE9BE4-AF58-4087-BAFE-C9AEA57189B8}" type="datetimeFigureOut">
               <a:rPr lang="zh-CN" altLang="en-US" smtClean="0"/>
               <a:t>2024/3/10</a:t>
             </a:fld>
@@ -265,7 +265,7 @@
           <p:cNvPr id="5" name="页脚占位符 4">
             <a:extLst>
               <a:ext uri="{FF2B5EF4-FFF2-40B4-BE49-F238E27FC236}">
-                <a16:creationId xmlns:a16="http://schemas.microsoft.com/office/drawing/2014/main" id="{89C8CC60-6AC8-27BA-E4B3-14398E00D06E}"/>
+                <a16:creationId xmlns:a16="http://schemas.microsoft.com/office/drawing/2014/main" id="{099A0624-608F-13C6-876B-4FD478F883DE}"/>
               </a:ext>
             </a:extLst>
           </p:cNvPr>
@@ -290,7 +290,7 @@
           <p:cNvPr id="6" name="灯片编号占位符 5">
             <a:extLst>
               <a:ext uri="{FF2B5EF4-FFF2-40B4-BE49-F238E27FC236}">
-                <a16:creationId xmlns:a16="http://schemas.microsoft.com/office/drawing/2014/main" id="{EAC553F2-2734-C108-E294-4671D8B742EA}"/>
+                <a16:creationId xmlns:a16="http://schemas.microsoft.com/office/drawing/2014/main" id="{524FCE1E-287B-C247-BE12-B11C35325FA4}"/>
               </a:ext>
             </a:extLst>
           </p:cNvPr>
@@ -306,7 +306,7 @@
           <a:bodyPr/>
           <a:lstStyle/>
           <a:p>
-            <a:fld id="{EE1E825C-4DAB-4A62-8403-7A6DB1DF7F46}" type="slidenum">
+            <a:fld id="{B0E971D4-8D56-4601-9ED8-0427AC74BAA4}" type="slidenum">
               <a:rPr lang="zh-CN" altLang="en-US" smtClean="0"/>
               <a:t>‹#›</a:t>
             </a:fld>
@@ -317,7 +317,7 @@
     </p:spTree>
     <p:extLst>
       <p:ext uri="{BB962C8B-B14F-4D97-AF65-F5344CB8AC3E}">
-        <p14:creationId xmlns:p14="http://schemas.microsoft.com/office/powerpoint/2010/main" val="47354484"/>
+        <p14:creationId xmlns:p14="http://schemas.microsoft.com/office/powerpoint/2010/main" val="2963311800"/>
       </p:ext>
     </p:extLst>
   </p:cSld>
@@ -349,7 +349,7 @@
           <p:cNvPr id="2" name="标题 1">
             <a:extLst>
               <a:ext uri="{FF2B5EF4-FFF2-40B4-BE49-F238E27FC236}">
-                <a16:creationId xmlns:a16="http://schemas.microsoft.com/office/drawing/2014/main" id="{71AF87D3-761C-D703-77C5-3C110430D2F8}"/>
+                <a16:creationId xmlns:a16="http://schemas.microsoft.com/office/drawing/2014/main" id="{EFF1737C-7CBE-8FB6-CDF0-D1E831065159}"/>
               </a:ext>
             </a:extLst>
           </p:cNvPr>
@@ -377,7 +377,7 @@
           <p:cNvPr id="3" name="竖排文字占位符 2">
             <a:extLst>
               <a:ext uri="{FF2B5EF4-FFF2-40B4-BE49-F238E27FC236}">
-                <a16:creationId xmlns:a16="http://schemas.microsoft.com/office/drawing/2014/main" id="{FFFF222D-0597-6A5A-B22A-E4EF23172569}"/>
+                <a16:creationId xmlns:a16="http://schemas.microsoft.com/office/drawing/2014/main" id="{29856DB6-15CA-7AE8-1CD5-ABF995522C0B}"/>
               </a:ext>
             </a:extLst>
           </p:cNvPr>
@@ -434,7 +434,7 @@
           <p:cNvPr id="4" name="日期占位符 3">
             <a:extLst>
               <a:ext uri="{FF2B5EF4-FFF2-40B4-BE49-F238E27FC236}">
-                <a16:creationId xmlns:a16="http://schemas.microsoft.com/office/drawing/2014/main" id="{8CF6131F-F875-48C1-2D9A-1011F05F29F1}"/>
+                <a16:creationId xmlns:a16="http://schemas.microsoft.com/office/drawing/2014/main" id="{6D1F4F3D-DCE1-947F-433E-FDE865EBE75B}"/>
               </a:ext>
             </a:extLst>
           </p:cNvPr>
@@ -450,7 +450,7 @@
           <a:bodyPr/>
           <a:lstStyle/>
           <a:p>
-            <a:fld id="{83E52DC7-BEDC-4079-88F6-79EC0663574A}" type="datetimeFigureOut">
+            <a:fld id="{90EE9BE4-AF58-4087-BAFE-C9AEA57189B8}" type="datetimeFigureOut">
               <a:rPr lang="zh-CN" altLang="en-US" smtClean="0"/>
               <a:t>2024/3/10</a:t>
             </a:fld>
@@ -463,7 +463,7 @@
           <p:cNvPr id="5" name="页脚占位符 4">
             <a:extLst>
               <a:ext uri="{FF2B5EF4-FFF2-40B4-BE49-F238E27FC236}">
-                <a16:creationId xmlns:a16="http://schemas.microsoft.com/office/drawing/2014/main" id="{8CC8D7BA-979F-13EE-7535-5053F55C3292}"/>
+                <a16:creationId xmlns:a16="http://schemas.microsoft.com/office/drawing/2014/main" id="{C9C9627F-3AF4-67D6-C3A0-45D30774272A}"/>
               </a:ext>
             </a:extLst>
           </p:cNvPr>
@@ -488,7 +488,7 @@
           <p:cNvPr id="6" name="灯片编号占位符 5">
             <a:extLst>
               <a:ext uri="{FF2B5EF4-FFF2-40B4-BE49-F238E27FC236}">
-                <a16:creationId xmlns:a16="http://schemas.microsoft.com/office/drawing/2014/main" id="{54770978-45B2-B44A-8C6A-F1BEB45D1462}"/>
+                <a16:creationId xmlns:a16="http://schemas.microsoft.com/office/drawing/2014/main" id="{163ACB2C-7FDE-5B0F-9452-EA25275B1A2A}"/>
               </a:ext>
             </a:extLst>
           </p:cNvPr>
@@ -504,7 +504,7 @@
           <a:bodyPr/>
           <a:lstStyle/>
           <a:p>
-            <a:fld id="{EE1E825C-4DAB-4A62-8403-7A6DB1DF7F46}" type="slidenum">
+            <a:fld id="{B0E971D4-8D56-4601-9ED8-0427AC74BAA4}" type="slidenum">
               <a:rPr lang="zh-CN" altLang="en-US" smtClean="0"/>
               <a:t>‹#›</a:t>
             </a:fld>
@@ -515,7 +515,7 @@
     </p:spTree>
     <p:extLst>
       <p:ext uri="{BB962C8B-B14F-4D97-AF65-F5344CB8AC3E}">
-        <p14:creationId xmlns:p14="http://schemas.microsoft.com/office/powerpoint/2010/main" val="2388967686"/>
+        <p14:creationId xmlns:p14="http://schemas.microsoft.com/office/powerpoint/2010/main" val="1939052244"/>
       </p:ext>
     </p:extLst>
   </p:cSld>
@@ -547,7 +547,7 @@
           <p:cNvPr id="2" name="竖排标题 1">
             <a:extLst>
               <a:ext uri="{FF2B5EF4-FFF2-40B4-BE49-F238E27FC236}">
-                <a16:creationId xmlns:a16="http://schemas.microsoft.com/office/drawing/2014/main" id="{AEA50535-4E45-A1A9-3C02-1138AA3439CF}"/>
+                <a16:creationId xmlns:a16="http://schemas.microsoft.com/office/drawing/2014/main" id="{4CE54120-863B-4AB4-7C18-0662735D0204}"/>
               </a:ext>
             </a:extLst>
           </p:cNvPr>
@@ -580,7 +580,7 @@
           <p:cNvPr id="3" name="竖排文字占位符 2">
             <a:extLst>
               <a:ext uri="{FF2B5EF4-FFF2-40B4-BE49-F238E27FC236}">
-                <a16:creationId xmlns:a16="http://schemas.microsoft.com/office/drawing/2014/main" id="{7F553FD0-3BB5-70B8-A638-6BDE6098EECB}"/>
+                <a16:creationId xmlns:a16="http://schemas.microsoft.com/office/drawing/2014/main" id="{3BD388D2-EFE6-C8B5-FAD9-637D7A2A56EF}"/>
               </a:ext>
             </a:extLst>
           </p:cNvPr>
@@ -642,7 +642,7 @@
           <p:cNvPr id="4" name="日期占位符 3">
             <a:extLst>
               <a:ext uri="{FF2B5EF4-FFF2-40B4-BE49-F238E27FC236}">
-                <a16:creationId xmlns:a16="http://schemas.microsoft.com/office/drawing/2014/main" id="{FEB6B818-7897-9F7B-F7E2-111E300074A2}"/>
+                <a16:creationId xmlns:a16="http://schemas.microsoft.com/office/drawing/2014/main" id="{30D2173A-A942-0080-77D0-B522ADB52EEB}"/>
               </a:ext>
             </a:extLst>
           </p:cNvPr>
@@ -658,7 +658,7 @@
           <a:bodyPr/>
           <a:lstStyle/>
           <a:p>
-            <a:fld id="{83E52DC7-BEDC-4079-88F6-79EC0663574A}" type="datetimeFigureOut">
+            <a:fld id="{90EE9BE4-AF58-4087-BAFE-C9AEA57189B8}" type="datetimeFigureOut">
               <a:rPr lang="zh-CN" altLang="en-US" smtClean="0"/>
               <a:t>2024/3/10</a:t>
             </a:fld>
@@ -671,7 +671,7 @@
           <p:cNvPr id="5" name="页脚占位符 4">
             <a:extLst>
               <a:ext uri="{FF2B5EF4-FFF2-40B4-BE49-F238E27FC236}">
-                <a16:creationId xmlns:a16="http://schemas.microsoft.com/office/drawing/2014/main" id="{D36D062E-8B58-1DD8-2DB4-90E33C16598C}"/>
+                <a16:creationId xmlns:a16="http://schemas.microsoft.com/office/drawing/2014/main" id="{5A8DC048-2D1A-B393-69A9-20F2878F054F}"/>
               </a:ext>
             </a:extLst>
           </p:cNvPr>
@@ -696,7 +696,7 @@
           <p:cNvPr id="6" name="灯片编号占位符 5">
             <a:extLst>
               <a:ext uri="{FF2B5EF4-FFF2-40B4-BE49-F238E27FC236}">
-                <a16:creationId xmlns:a16="http://schemas.microsoft.com/office/drawing/2014/main" id="{38AE79A4-D217-4877-FC1A-17198D72CE4C}"/>
+                <a16:creationId xmlns:a16="http://schemas.microsoft.com/office/drawing/2014/main" id="{49434113-2F15-3BB5-E947-77D3B0722769}"/>
               </a:ext>
             </a:extLst>
           </p:cNvPr>
@@ -712,7 +712,7 @@
           <a:bodyPr/>
           <a:lstStyle/>
           <a:p>
-            <a:fld id="{EE1E825C-4DAB-4A62-8403-7A6DB1DF7F46}" type="slidenum">
+            <a:fld id="{B0E971D4-8D56-4601-9ED8-0427AC74BAA4}" type="slidenum">
               <a:rPr lang="zh-CN" altLang="en-US" smtClean="0"/>
               <a:t>‹#›</a:t>
             </a:fld>
@@ -723,7 +723,7 @@
     </p:spTree>
     <p:extLst>
       <p:ext uri="{BB962C8B-B14F-4D97-AF65-F5344CB8AC3E}">
-        <p14:creationId xmlns:p14="http://schemas.microsoft.com/office/powerpoint/2010/main" val="1965030324"/>
+        <p14:creationId xmlns:p14="http://schemas.microsoft.com/office/powerpoint/2010/main" val="1386911017"/>
       </p:ext>
     </p:extLst>
   </p:cSld>
@@ -755,7 +755,7 @@
           <p:cNvPr id="2" name="标题 1">
             <a:extLst>
               <a:ext uri="{FF2B5EF4-FFF2-40B4-BE49-F238E27FC236}">
-                <a16:creationId xmlns:a16="http://schemas.microsoft.com/office/drawing/2014/main" id="{693A88D2-0428-923B-179B-CC43B0BFB19F}"/>
+                <a16:creationId xmlns:a16="http://schemas.microsoft.com/office/drawing/2014/main" id="{BAEDD198-3A1D-A211-C4A9-B3053BF3AC4B}"/>
               </a:ext>
             </a:extLst>
           </p:cNvPr>
@@ -783,7 +783,7 @@
           <p:cNvPr id="3" name="内容占位符 2">
             <a:extLst>
               <a:ext uri="{FF2B5EF4-FFF2-40B4-BE49-F238E27FC236}">
-                <a16:creationId xmlns:a16="http://schemas.microsoft.com/office/drawing/2014/main" id="{A6089BDF-08E9-7C3C-0ACE-7D4187C092AA}"/>
+                <a16:creationId xmlns:a16="http://schemas.microsoft.com/office/drawing/2014/main" id="{A5D5899E-B76E-12B9-5EC2-780EDAA0DCBD}"/>
               </a:ext>
             </a:extLst>
           </p:cNvPr>
@@ -840,7 +840,7 @@
           <p:cNvPr id="4" name="日期占位符 3">
             <a:extLst>
               <a:ext uri="{FF2B5EF4-FFF2-40B4-BE49-F238E27FC236}">
-                <a16:creationId xmlns:a16="http://schemas.microsoft.com/office/drawing/2014/main" id="{B829A319-9290-B399-6E6E-4C529DD030AA}"/>
+                <a16:creationId xmlns:a16="http://schemas.microsoft.com/office/drawing/2014/main" id="{6C2BBEA5-51C0-EAC1-2250-0D48366A5222}"/>
               </a:ext>
             </a:extLst>
           </p:cNvPr>
@@ -856,7 +856,7 @@
           <a:bodyPr/>
           <a:lstStyle/>
           <a:p>
-            <a:fld id="{83E52DC7-BEDC-4079-88F6-79EC0663574A}" type="datetimeFigureOut">
+            <a:fld id="{90EE9BE4-AF58-4087-BAFE-C9AEA57189B8}" type="datetimeFigureOut">
               <a:rPr lang="zh-CN" altLang="en-US" smtClean="0"/>
               <a:t>2024/3/10</a:t>
             </a:fld>
@@ -869,7 +869,7 @@
           <p:cNvPr id="5" name="页脚占位符 4">
             <a:extLst>
               <a:ext uri="{FF2B5EF4-FFF2-40B4-BE49-F238E27FC236}">
-                <a16:creationId xmlns:a16="http://schemas.microsoft.com/office/drawing/2014/main" id="{B6067DD2-E220-AD6F-F785-CDC71FCA4852}"/>
+                <a16:creationId xmlns:a16="http://schemas.microsoft.com/office/drawing/2014/main" id="{1ECFBFD0-ED78-B12D-6877-976476880384}"/>
               </a:ext>
             </a:extLst>
           </p:cNvPr>
@@ -894,7 +894,7 @@
           <p:cNvPr id="6" name="灯片编号占位符 5">
             <a:extLst>
               <a:ext uri="{FF2B5EF4-FFF2-40B4-BE49-F238E27FC236}">
-                <a16:creationId xmlns:a16="http://schemas.microsoft.com/office/drawing/2014/main" id="{C1B75CB6-31D8-A5D6-C5F8-FED31EC80F27}"/>
+                <a16:creationId xmlns:a16="http://schemas.microsoft.com/office/drawing/2014/main" id="{AB582137-04F6-4DF8-5940-6F747F3EED8E}"/>
               </a:ext>
             </a:extLst>
           </p:cNvPr>
@@ -910,7 +910,7 @@
           <a:bodyPr/>
           <a:lstStyle/>
           <a:p>
-            <a:fld id="{EE1E825C-4DAB-4A62-8403-7A6DB1DF7F46}" type="slidenum">
+            <a:fld id="{B0E971D4-8D56-4601-9ED8-0427AC74BAA4}" type="slidenum">
               <a:rPr lang="zh-CN" altLang="en-US" smtClean="0"/>
               <a:t>‹#›</a:t>
             </a:fld>
@@ -921,7 +921,7 @@
     </p:spTree>
     <p:extLst>
       <p:ext uri="{BB962C8B-B14F-4D97-AF65-F5344CB8AC3E}">
-        <p14:creationId xmlns:p14="http://schemas.microsoft.com/office/powerpoint/2010/main" val="1029401343"/>
+        <p14:creationId xmlns:p14="http://schemas.microsoft.com/office/powerpoint/2010/main" val="3928277776"/>
       </p:ext>
     </p:extLst>
   </p:cSld>
@@ -953,7 +953,7 @@
           <p:cNvPr id="2" name="标题 1">
             <a:extLst>
               <a:ext uri="{FF2B5EF4-FFF2-40B4-BE49-F238E27FC236}">
-                <a16:creationId xmlns:a16="http://schemas.microsoft.com/office/drawing/2014/main" id="{221EE3B9-3DE2-ACFE-DEAD-C8B2E0A15CAE}"/>
+                <a16:creationId xmlns:a16="http://schemas.microsoft.com/office/drawing/2014/main" id="{70B4BB80-F583-4E1D-A319-4EE39B02B466}"/>
               </a:ext>
             </a:extLst>
           </p:cNvPr>
@@ -990,7 +990,7 @@
           <p:cNvPr id="3" name="文本占位符 2">
             <a:extLst>
               <a:ext uri="{FF2B5EF4-FFF2-40B4-BE49-F238E27FC236}">
-                <a16:creationId xmlns:a16="http://schemas.microsoft.com/office/drawing/2014/main" id="{D27E94EA-A7F3-A5C4-662D-F7C9DF7C34AD}"/>
+                <a16:creationId xmlns:a16="http://schemas.microsoft.com/office/drawing/2014/main" id="{EC9ED071-B6E3-2F31-3BE9-657F16BC13F6}"/>
               </a:ext>
             </a:extLst>
           </p:cNvPr>
@@ -1115,7 +1115,7 @@
           <p:cNvPr id="4" name="日期占位符 3">
             <a:extLst>
               <a:ext uri="{FF2B5EF4-FFF2-40B4-BE49-F238E27FC236}">
-                <a16:creationId xmlns:a16="http://schemas.microsoft.com/office/drawing/2014/main" id="{D7243B20-2B96-1908-31E2-0E9F067B161F}"/>
+                <a16:creationId xmlns:a16="http://schemas.microsoft.com/office/drawing/2014/main" id="{904ABDE8-8BBA-B832-2C37-8837D9B88923}"/>
               </a:ext>
             </a:extLst>
           </p:cNvPr>
@@ -1131,7 +1131,7 @@
           <a:bodyPr/>
           <a:lstStyle/>
           <a:p>
-            <a:fld id="{83E52DC7-BEDC-4079-88F6-79EC0663574A}" type="datetimeFigureOut">
+            <a:fld id="{90EE9BE4-AF58-4087-BAFE-C9AEA57189B8}" type="datetimeFigureOut">
               <a:rPr lang="zh-CN" altLang="en-US" smtClean="0"/>
               <a:t>2024/3/10</a:t>
             </a:fld>
@@ -1144,7 +1144,7 @@
           <p:cNvPr id="5" name="页脚占位符 4">
             <a:extLst>
               <a:ext uri="{FF2B5EF4-FFF2-40B4-BE49-F238E27FC236}">
-                <a16:creationId xmlns:a16="http://schemas.microsoft.com/office/drawing/2014/main" id="{0D04316A-22D9-03C5-8C1D-DDFC6AB887E3}"/>
+                <a16:creationId xmlns:a16="http://schemas.microsoft.com/office/drawing/2014/main" id="{0EF0591D-C48B-F913-8222-FE8E1F9DD5F5}"/>
               </a:ext>
             </a:extLst>
           </p:cNvPr>
@@ -1169,7 +1169,7 @@
           <p:cNvPr id="6" name="灯片编号占位符 5">
             <a:extLst>
               <a:ext uri="{FF2B5EF4-FFF2-40B4-BE49-F238E27FC236}">
-                <a16:creationId xmlns:a16="http://schemas.microsoft.com/office/drawing/2014/main" id="{9291119B-69E3-8A4C-837F-F2FF0E346709}"/>
+                <a16:creationId xmlns:a16="http://schemas.microsoft.com/office/drawing/2014/main" id="{6C6C8D8D-2FCE-E5B1-76A0-961B474D9D21}"/>
               </a:ext>
             </a:extLst>
           </p:cNvPr>
@@ -1185,7 +1185,7 @@
           <a:bodyPr/>
           <a:lstStyle/>
           <a:p>
-            <a:fld id="{EE1E825C-4DAB-4A62-8403-7A6DB1DF7F46}" type="slidenum">
+            <a:fld id="{B0E971D4-8D56-4601-9ED8-0427AC74BAA4}" type="slidenum">
               <a:rPr lang="zh-CN" altLang="en-US" smtClean="0"/>
               <a:t>‹#›</a:t>
             </a:fld>
@@ -1196,7 +1196,7 @@
     </p:spTree>
     <p:extLst>
       <p:ext uri="{BB962C8B-B14F-4D97-AF65-F5344CB8AC3E}">
-        <p14:creationId xmlns:p14="http://schemas.microsoft.com/office/powerpoint/2010/main" val="2629331685"/>
+        <p14:creationId xmlns:p14="http://schemas.microsoft.com/office/powerpoint/2010/main" val="385213957"/>
       </p:ext>
     </p:extLst>
   </p:cSld>
@@ -1228,7 +1228,7 @@
           <p:cNvPr id="2" name="标题 1">
             <a:extLst>
               <a:ext uri="{FF2B5EF4-FFF2-40B4-BE49-F238E27FC236}">
-                <a16:creationId xmlns:a16="http://schemas.microsoft.com/office/drawing/2014/main" id="{0BEE313E-6FB4-DC99-EFF1-A390B7B11845}"/>
+                <a16:creationId xmlns:a16="http://schemas.microsoft.com/office/drawing/2014/main" id="{83A79FA4-158C-BD5D-E0F7-BB822B4F3A6C}"/>
               </a:ext>
             </a:extLst>
           </p:cNvPr>
@@ -1256,7 +1256,7 @@
           <p:cNvPr id="3" name="内容占位符 2">
             <a:extLst>
               <a:ext uri="{FF2B5EF4-FFF2-40B4-BE49-F238E27FC236}">
-                <a16:creationId xmlns:a16="http://schemas.microsoft.com/office/drawing/2014/main" id="{ED53DE1C-9F26-9BB6-9B0A-BEA343E5F93F}"/>
+                <a16:creationId xmlns:a16="http://schemas.microsoft.com/office/drawing/2014/main" id="{2DF91C27-0162-FE61-6627-C6A97B8C44D5}"/>
               </a:ext>
             </a:extLst>
           </p:cNvPr>
@@ -1318,7 +1318,7 @@
           <p:cNvPr id="4" name="内容占位符 3">
             <a:extLst>
               <a:ext uri="{FF2B5EF4-FFF2-40B4-BE49-F238E27FC236}">
-                <a16:creationId xmlns:a16="http://schemas.microsoft.com/office/drawing/2014/main" id="{28C6DF0F-B627-2762-4A4B-DCDCDA29865E}"/>
+                <a16:creationId xmlns:a16="http://schemas.microsoft.com/office/drawing/2014/main" id="{955684AF-EFB0-D87B-AD80-03480B7A8FA3}"/>
               </a:ext>
             </a:extLst>
           </p:cNvPr>
@@ -1380,7 +1380,7 @@
           <p:cNvPr id="5" name="日期占位符 4">
             <a:extLst>
               <a:ext uri="{FF2B5EF4-FFF2-40B4-BE49-F238E27FC236}">
-                <a16:creationId xmlns:a16="http://schemas.microsoft.com/office/drawing/2014/main" id="{65C1F8E8-00A9-96EF-D02B-5A7D3C0EF909}"/>
+                <a16:creationId xmlns:a16="http://schemas.microsoft.com/office/drawing/2014/main" id="{42454559-9815-1161-875A-DFE81775C42A}"/>
               </a:ext>
             </a:extLst>
           </p:cNvPr>
@@ -1396,7 +1396,7 @@
           <a:bodyPr/>
           <a:lstStyle/>
           <a:p>
-            <a:fld id="{83E52DC7-BEDC-4079-88F6-79EC0663574A}" type="datetimeFigureOut">
+            <a:fld id="{90EE9BE4-AF58-4087-BAFE-C9AEA57189B8}" type="datetimeFigureOut">
               <a:rPr lang="zh-CN" altLang="en-US" smtClean="0"/>
               <a:t>2024/3/10</a:t>
             </a:fld>
@@ -1409,7 +1409,7 @@
           <p:cNvPr id="6" name="页脚占位符 5">
             <a:extLst>
               <a:ext uri="{FF2B5EF4-FFF2-40B4-BE49-F238E27FC236}">
-                <a16:creationId xmlns:a16="http://schemas.microsoft.com/office/drawing/2014/main" id="{E475D1CA-5346-DAA2-BAB7-CAAFAB391B9C}"/>
+                <a16:creationId xmlns:a16="http://schemas.microsoft.com/office/drawing/2014/main" id="{B23A329E-B86C-97F3-EF36-145C160EEC93}"/>
               </a:ext>
             </a:extLst>
           </p:cNvPr>
@@ -1434,7 +1434,7 @@
           <p:cNvPr id="7" name="灯片编号占位符 6">
             <a:extLst>
               <a:ext uri="{FF2B5EF4-FFF2-40B4-BE49-F238E27FC236}">
-                <a16:creationId xmlns:a16="http://schemas.microsoft.com/office/drawing/2014/main" id="{CA1B5B26-B269-8AF3-69DE-4F5FA4FEF88B}"/>
+                <a16:creationId xmlns:a16="http://schemas.microsoft.com/office/drawing/2014/main" id="{5C5BC6A8-9869-0EBC-4FFD-84A130760D54}"/>
               </a:ext>
             </a:extLst>
           </p:cNvPr>
@@ -1450,7 +1450,7 @@
           <a:bodyPr/>
           <a:lstStyle/>
           <a:p>
-            <a:fld id="{EE1E825C-4DAB-4A62-8403-7A6DB1DF7F46}" type="slidenum">
+            <a:fld id="{B0E971D4-8D56-4601-9ED8-0427AC74BAA4}" type="slidenum">
               <a:rPr lang="zh-CN" altLang="en-US" smtClean="0"/>
               <a:t>‹#›</a:t>
             </a:fld>
@@ -1461,7 +1461,7 @@
     </p:spTree>
     <p:extLst>
       <p:ext uri="{BB962C8B-B14F-4D97-AF65-F5344CB8AC3E}">
-        <p14:creationId xmlns:p14="http://schemas.microsoft.com/office/powerpoint/2010/main" val="2741941417"/>
+        <p14:creationId xmlns:p14="http://schemas.microsoft.com/office/powerpoint/2010/main" val="4249153021"/>
       </p:ext>
     </p:extLst>
   </p:cSld>
@@ -1493,7 +1493,7 @@
           <p:cNvPr id="2" name="标题 1">
             <a:extLst>
               <a:ext uri="{FF2B5EF4-FFF2-40B4-BE49-F238E27FC236}">
-                <a16:creationId xmlns:a16="http://schemas.microsoft.com/office/drawing/2014/main" id="{A9E6DBC0-ED62-6412-A017-0DC0A5216068}"/>
+                <a16:creationId xmlns:a16="http://schemas.microsoft.com/office/drawing/2014/main" id="{9B22A9DA-E941-E9B2-2696-9A785F48031D}"/>
               </a:ext>
             </a:extLst>
           </p:cNvPr>
@@ -1526,7 +1526,7 @@
           <p:cNvPr id="3" name="文本占位符 2">
             <a:extLst>
               <a:ext uri="{FF2B5EF4-FFF2-40B4-BE49-F238E27FC236}">
-                <a16:creationId xmlns:a16="http://schemas.microsoft.com/office/drawing/2014/main" id="{91F2E791-4AA3-CED0-C1DC-9B377D284409}"/>
+                <a16:creationId xmlns:a16="http://schemas.microsoft.com/office/drawing/2014/main" id="{612970EE-20D8-3444-6663-4C602FC6EAB9}"/>
               </a:ext>
             </a:extLst>
           </p:cNvPr>
@@ -1597,7 +1597,7 @@
           <p:cNvPr id="4" name="内容占位符 3">
             <a:extLst>
               <a:ext uri="{FF2B5EF4-FFF2-40B4-BE49-F238E27FC236}">
-                <a16:creationId xmlns:a16="http://schemas.microsoft.com/office/drawing/2014/main" id="{57A76CFC-5721-7CF9-E9D4-3687A13C77B1}"/>
+                <a16:creationId xmlns:a16="http://schemas.microsoft.com/office/drawing/2014/main" id="{9BB02B5C-61EF-85D8-7878-749A57668CEF}"/>
               </a:ext>
             </a:extLst>
           </p:cNvPr>
@@ -1659,7 +1659,7 @@
           <p:cNvPr id="5" name="文本占位符 4">
             <a:extLst>
               <a:ext uri="{FF2B5EF4-FFF2-40B4-BE49-F238E27FC236}">
-                <a16:creationId xmlns:a16="http://schemas.microsoft.com/office/drawing/2014/main" id="{BCAD25EB-6B0C-A1AC-9FD6-804029F8695D}"/>
+                <a16:creationId xmlns:a16="http://schemas.microsoft.com/office/drawing/2014/main" id="{AF88408D-AAFF-2A7F-2529-BB679BFAA91D}"/>
               </a:ext>
             </a:extLst>
           </p:cNvPr>
@@ -1730,7 +1730,7 @@
           <p:cNvPr id="6" name="内容占位符 5">
             <a:extLst>
               <a:ext uri="{FF2B5EF4-FFF2-40B4-BE49-F238E27FC236}">
-                <a16:creationId xmlns:a16="http://schemas.microsoft.com/office/drawing/2014/main" id="{47E365A4-9F9C-CA21-CC78-05E472F9A70B}"/>
+                <a16:creationId xmlns:a16="http://schemas.microsoft.com/office/drawing/2014/main" id="{04329E68-B024-0B64-3688-0C4304C9685B}"/>
               </a:ext>
             </a:extLst>
           </p:cNvPr>
@@ -1792,7 +1792,7 @@
           <p:cNvPr id="7" name="日期占位符 6">
             <a:extLst>
               <a:ext uri="{FF2B5EF4-FFF2-40B4-BE49-F238E27FC236}">
-                <a16:creationId xmlns:a16="http://schemas.microsoft.com/office/drawing/2014/main" id="{CEDB82AB-AC4D-2D8E-3689-8BFA5EC94CBB}"/>
+                <a16:creationId xmlns:a16="http://schemas.microsoft.com/office/drawing/2014/main" id="{DA5BC23C-63E9-2821-6A62-5E86B9D072AA}"/>
               </a:ext>
             </a:extLst>
           </p:cNvPr>
@@ -1808,7 +1808,7 @@
           <a:bodyPr/>
           <a:lstStyle/>
           <a:p>
-            <a:fld id="{83E52DC7-BEDC-4079-88F6-79EC0663574A}" type="datetimeFigureOut">
+            <a:fld id="{90EE9BE4-AF58-4087-BAFE-C9AEA57189B8}" type="datetimeFigureOut">
               <a:rPr lang="zh-CN" altLang="en-US" smtClean="0"/>
               <a:t>2024/3/10</a:t>
             </a:fld>
@@ -1821,7 +1821,7 @@
           <p:cNvPr id="8" name="页脚占位符 7">
             <a:extLst>
               <a:ext uri="{FF2B5EF4-FFF2-40B4-BE49-F238E27FC236}">
-                <a16:creationId xmlns:a16="http://schemas.microsoft.com/office/drawing/2014/main" id="{43B2CB26-9E64-1086-7B30-329730E55FC8}"/>
+                <a16:creationId xmlns:a16="http://schemas.microsoft.com/office/drawing/2014/main" id="{6FD587DB-74FD-CABC-D2A7-74A6AEFA34D3}"/>
               </a:ext>
             </a:extLst>
           </p:cNvPr>
@@ -1846,7 +1846,7 @@
           <p:cNvPr id="9" name="灯片编号占位符 8">
             <a:extLst>
               <a:ext uri="{FF2B5EF4-FFF2-40B4-BE49-F238E27FC236}">
-                <a16:creationId xmlns:a16="http://schemas.microsoft.com/office/drawing/2014/main" id="{5608A10F-1E1E-5282-A228-2B13EDF52DFF}"/>
+                <a16:creationId xmlns:a16="http://schemas.microsoft.com/office/drawing/2014/main" id="{420845CB-6BF3-C886-412C-48B34DBE15B3}"/>
               </a:ext>
             </a:extLst>
           </p:cNvPr>
@@ -1862,7 +1862,7 @@
           <a:bodyPr/>
           <a:lstStyle/>
           <a:p>
-            <a:fld id="{EE1E825C-4DAB-4A62-8403-7A6DB1DF7F46}" type="slidenum">
+            <a:fld id="{B0E971D4-8D56-4601-9ED8-0427AC74BAA4}" type="slidenum">
               <a:rPr lang="zh-CN" altLang="en-US" smtClean="0"/>
               <a:t>‹#›</a:t>
             </a:fld>
@@ -1873,7 +1873,7 @@
     </p:spTree>
     <p:extLst>
       <p:ext uri="{BB962C8B-B14F-4D97-AF65-F5344CB8AC3E}">
-        <p14:creationId xmlns:p14="http://schemas.microsoft.com/office/powerpoint/2010/main" val="652771123"/>
+        <p14:creationId xmlns:p14="http://schemas.microsoft.com/office/powerpoint/2010/main" val="2940157674"/>
       </p:ext>
     </p:extLst>
   </p:cSld>
@@ -1905,7 +1905,7 @@
           <p:cNvPr id="2" name="标题 1">
             <a:extLst>
               <a:ext uri="{FF2B5EF4-FFF2-40B4-BE49-F238E27FC236}">
-                <a16:creationId xmlns:a16="http://schemas.microsoft.com/office/drawing/2014/main" id="{F6904C30-FD90-7554-622B-A64326CD5390}"/>
+                <a16:creationId xmlns:a16="http://schemas.microsoft.com/office/drawing/2014/main" id="{15CE0AE9-3107-B5D0-D34C-14F0ABB67968}"/>
               </a:ext>
             </a:extLst>
           </p:cNvPr>
@@ -1933,7 +1933,7 @@
           <p:cNvPr id="3" name="日期占位符 2">
             <a:extLst>
               <a:ext uri="{FF2B5EF4-FFF2-40B4-BE49-F238E27FC236}">
-                <a16:creationId xmlns:a16="http://schemas.microsoft.com/office/drawing/2014/main" id="{7435C750-8B8D-5CEA-309A-D2EF9935ED34}"/>
+                <a16:creationId xmlns:a16="http://schemas.microsoft.com/office/drawing/2014/main" id="{C3865398-B44E-7EE3-F232-26ABCF1DFE9E}"/>
               </a:ext>
             </a:extLst>
           </p:cNvPr>
@@ -1949,7 +1949,7 @@
           <a:bodyPr/>
           <a:lstStyle/>
           <a:p>
-            <a:fld id="{83E52DC7-BEDC-4079-88F6-79EC0663574A}" type="datetimeFigureOut">
+            <a:fld id="{90EE9BE4-AF58-4087-BAFE-C9AEA57189B8}" type="datetimeFigureOut">
               <a:rPr lang="zh-CN" altLang="en-US" smtClean="0"/>
               <a:t>2024/3/10</a:t>
             </a:fld>
@@ -1962,7 +1962,7 @@
           <p:cNvPr id="4" name="页脚占位符 3">
             <a:extLst>
               <a:ext uri="{FF2B5EF4-FFF2-40B4-BE49-F238E27FC236}">
-                <a16:creationId xmlns:a16="http://schemas.microsoft.com/office/drawing/2014/main" id="{2FD9D492-117E-AE15-AFE8-A59E5F0E60D2}"/>
+                <a16:creationId xmlns:a16="http://schemas.microsoft.com/office/drawing/2014/main" id="{A6EA790F-474A-2CA9-67A8-9C9B9A5D06D1}"/>
               </a:ext>
             </a:extLst>
           </p:cNvPr>
@@ -1987,7 +1987,7 @@
           <p:cNvPr id="5" name="灯片编号占位符 4">
             <a:extLst>
               <a:ext uri="{FF2B5EF4-FFF2-40B4-BE49-F238E27FC236}">
-                <a16:creationId xmlns:a16="http://schemas.microsoft.com/office/drawing/2014/main" id="{B4DDAB7D-944A-EB2C-B38E-3923DA36026E}"/>
+                <a16:creationId xmlns:a16="http://schemas.microsoft.com/office/drawing/2014/main" id="{4F2EDDE4-D483-91D7-FE8D-63AB1D869773}"/>
               </a:ext>
             </a:extLst>
           </p:cNvPr>
@@ -2003,7 +2003,7 @@
           <a:bodyPr/>
           <a:lstStyle/>
           <a:p>
-            <a:fld id="{EE1E825C-4DAB-4A62-8403-7A6DB1DF7F46}" type="slidenum">
+            <a:fld id="{B0E971D4-8D56-4601-9ED8-0427AC74BAA4}" type="slidenum">
               <a:rPr lang="zh-CN" altLang="en-US" smtClean="0"/>
               <a:t>‹#›</a:t>
             </a:fld>
@@ -2014,7 +2014,7 @@
     </p:spTree>
     <p:extLst>
       <p:ext uri="{BB962C8B-B14F-4D97-AF65-F5344CB8AC3E}">
-        <p14:creationId xmlns:p14="http://schemas.microsoft.com/office/powerpoint/2010/main" val="503982771"/>
+        <p14:creationId xmlns:p14="http://schemas.microsoft.com/office/powerpoint/2010/main" val="862799325"/>
       </p:ext>
     </p:extLst>
   </p:cSld>
@@ -2046,7 +2046,7 @@
           <p:cNvPr id="2" name="日期占位符 1">
             <a:extLst>
               <a:ext uri="{FF2B5EF4-FFF2-40B4-BE49-F238E27FC236}">
-                <a16:creationId xmlns:a16="http://schemas.microsoft.com/office/drawing/2014/main" id="{3B969DB6-A9DF-1BD6-E04E-8B72C3A0A6F7}"/>
+                <a16:creationId xmlns:a16="http://schemas.microsoft.com/office/drawing/2014/main" id="{87D44A91-82A5-BC7C-A3C9-AD362E3647FD}"/>
               </a:ext>
             </a:extLst>
           </p:cNvPr>
@@ -2062,7 +2062,7 @@
           <a:bodyPr/>
           <a:lstStyle/>
           <a:p>
-            <a:fld id="{83E52DC7-BEDC-4079-88F6-79EC0663574A}" type="datetimeFigureOut">
+            <a:fld id="{90EE9BE4-AF58-4087-BAFE-C9AEA57189B8}" type="datetimeFigureOut">
               <a:rPr lang="zh-CN" altLang="en-US" smtClean="0"/>
               <a:t>2024/3/10</a:t>
             </a:fld>
@@ -2075,7 +2075,7 @@
           <p:cNvPr id="3" name="页脚占位符 2">
             <a:extLst>
               <a:ext uri="{FF2B5EF4-FFF2-40B4-BE49-F238E27FC236}">
-                <a16:creationId xmlns:a16="http://schemas.microsoft.com/office/drawing/2014/main" id="{2870866A-D3BE-CEAF-5D16-D45089E07BE6}"/>
+                <a16:creationId xmlns:a16="http://schemas.microsoft.com/office/drawing/2014/main" id="{E4A9FA03-D46D-35DA-4539-C436886FFDAC}"/>
               </a:ext>
             </a:extLst>
           </p:cNvPr>
@@ -2100,7 +2100,7 @@
           <p:cNvPr id="4" name="灯片编号占位符 3">
             <a:extLst>
               <a:ext uri="{FF2B5EF4-FFF2-40B4-BE49-F238E27FC236}">
-                <a16:creationId xmlns:a16="http://schemas.microsoft.com/office/drawing/2014/main" id="{32888A37-E85D-3775-D7DD-5B943A586F29}"/>
+                <a16:creationId xmlns:a16="http://schemas.microsoft.com/office/drawing/2014/main" id="{D1A26BFA-C455-E5DA-68E0-85E04B6EB4DE}"/>
               </a:ext>
             </a:extLst>
           </p:cNvPr>
@@ -2116,7 +2116,7 @@
           <a:bodyPr/>
           <a:lstStyle/>
           <a:p>
-            <a:fld id="{EE1E825C-4DAB-4A62-8403-7A6DB1DF7F46}" type="slidenum">
+            <a:fld id="{B0E971D4-8D56-4601-9ED8-0427AC74BAA4}" type="slidenum">
               <a:rPr lang="zh-CN" altLang="en-US" smtClean="0"/>
               <a:t>‹#›</a:t>
             </a:fld>
@@ -2127,7 +2127,7 @@
     </p:spTree>
     <p:extLst>
       <p:ext uri="{BB962C8B-B14F-4D97-AF65-F5344CB8AC3E}">
-        <p14:creationId xmlns:p14="http://schemas.microsoft.com/office/powerpoint/2010/main" val="2267041020"/>
+        <p14:creationId xmlns:p14="http://schemas.microsoft.com/office/powerpoint/2010/main" val="3129203630"/>
       </p:ext>
     </p:extLst>
   </p:cSld>
@@ -2159,7 +2159,7 @@
           <p:cNvPr id="2" name="标题 1">
             <a:extLst>
               <a:ext uri="{FF2B5EF4-FFF2-40B4-BE49-F238E27FC236}">
-                <a16:creationId xmlns:a16="http://schemas.microsoft.com/office/drawing/2014/main" id="{9776D694-FD23-E51C-A8A6-77C5BD2B3BA2}"/>
+                <a16:creationId xmlns:a16="http://schemas.microsoft.com/office/drawing/2014/main" id="{850A25BF-1C75-61AE-7467-D7D943519A3D}"/>
               </a:ext>
             </a:extLst>
           </p:cNvPr>
@@ -2196,7 +2196,7 @@
           <p:cNvPr id="3" name="内容占位符 2">
             <a:extLst>
               <a:ext uri="{FF2B5EF4-FFF2-40B4-BE49-F238E27FC236}">
-                <a16:creationId xmlns:a16="http://schemas.microsoft.com/office/drawing/2014/main" id="{81A315C1-F281-095A-3709-94F1A2D9A864}"/>
+                <a16:creationId xmlns:a16="http://schemas.microsoft.com/office/drawing/2014/main" id="{43BB131E-FE66-4CB0-0100-4BE2BE3C0833}"/>
               </a:ext>
             </a:extLst>
           </p:cNvPr>
@@ -2286,7 +2286,7 @@
           <p:cNvPr id="4" name="文本占位符 3">
             <a:extLst>
               <a:ext uri="{FF2B5EF4-FFF2-40B4-BE49-F238E27FC236}">
-                <a16:creationId xmlns:a16="http://schemas.microsoft.com/office/drawing/2014/main" id="{B91B85D7-55DB-1872-03D1-382308CC53F5}"/>
+                <a16:creationId xmlns:a16="http://schemas.microsoft.com/office/drawing/2014/main" id="{89C55818-162F-9B1B-800C-DB98B712A0D9}"/>
               </a:ext>
             </a:extLst>
           </p:cNvPr>
@@ -2357,7 +2357,7 @@
           <p:cNvPr id="5" name="日期占位符 4">
             <a:extLst>
               <a:ext uri="{FF2B5EF4-FFF2-40B4-BE49-F238E27FC236}">
-                <a16:creationId xmlns:a16="http://schemas.microsoft.com/office/drawing/2014/main" id="{26A15A3A-8B99-BFDB-5A3E-2BD6CFCFB45F}"/>
+                <a16:creationId xmlns:a16="http://schemas.microsoft.com/office/drawing/2014/main" id="{E1836326-57C4-8F49-7D66-C61DA4BF7B51}"/>
               </a:ext>
             </a:extLst>
           </p:cNvPr>
@@ -2373,7 +2373,7 @@
           <a:bodyPr/>
           <a:lstStyle/>
           <a:p>
-            <a:fld id="{83E52DC7-BEDC-4079-88F6-79EC0663574A}" type="datetimeFigureOut">
+            <a:fld id="{90EE9BE4-AF58-4087-BAFE-C9AEA57189B8}" type="datetimeFigureOut">
               <a:rPr lang="zh-CN" altLang="en-US" smtClean="0"/>
               <a:t>2024/3/10</a:t>
             </a:fld>
@@ -2386,7 +2386,7 @@
           <p:cNvPr id="6" name="页脚占位符 5">
             <a:extLst>
               <a:ext uri="{FF2B5EF4-FFF2-40B4-BE49-F238E27FC236}">
-                <a16:creationId xmlns:a16="http://schemas.microsoft.com/office/drawing/2014/main" id="{2B067E42-72C7-1758-044B-1D4A4D0D55D6}"/>
+                <a16:creationId xmlns:a16="http://schemas.microsoft.com/office/drawing/2014/main" id="{165B0A1E-44FE-A805-E738-64BABBB35165}"/>
               </a:ext>
             </a:extLst>
           </p:cNvPr>
@@ -2411,7 +2411,7 @@
           <p:cNvPr id="7" name="灯片编号占位符 6">
             <a:extLst>
               <a:ext uri="{FF2B5EF4-FFF2-40B4-BE49-F238E27FC236}">
-                <a16:creationId xmlns:a16="http://schemas.microsoft.com/office/drawing/2014/main" id="{E6C96534-7365-3CBB-5CAC-55994F6360A6}"/>
+                <a16:creationId xmlns:a16="http://schemas.microsoft.com/office/drawing/2014/main" id="{01FFC3D0-B58A-77B1-DE81-7021C517BF5E}"/>
               </a:ext>
             </a:extLst>
           </p:cNvPr>
@@ -2427,7 +2427,7 @@
           <a:bodyPr/>
           <a:lstStyle/>
           <a:p>
-            <a:fld id="{EE1E825C-4DAB-4A62-8403-7A6DB1DF7F46}" type="slidenum">
+            <a:fld id="{B0E971D4-8D56-4601-9ED8-0427AC74BAA4}" type="slidenum">
               <a:rPr lang="zh-CN" altLang="en-US" smtClean="0"/>
               <a:t>‹#›</a:t>
             </a:fld>
@@ -2438,7 +2438,7 @@
     </p:spTree>
     <p:extLst>
       <p:ext uri="{BB962C8B-B14F-4D97-AF65-F5344CB8AC3E}">
-        <p14:creationId xmlns:p14="http://schemas.microsoft.com/office/powerpoint/2010/main" val="3988081284"/>
+        <p14:creationId xmlns:p14="http://schemas.microsoft.com/office/powerpoint/2010/main" val="3091247092"/>
       </p:ext>
     </p:extLst>
   </p:cSld>
@@ -2470,7 +2470,7 @@
           <p:cNvPr id="2" name="标题 1">
             <a:extLst>
               <a:ext uri="{FF2B5EF4-FFF2-40B4-BE49-F238E27FC236}">
-                <a16:creationId xmlns:a16="http://schemas.microsoft.com/office/drawing/2014/main" id="{AE831EDE-0101-EA95-F8F3-D9FEE3AC4425}"/>
+                <a16:creationId xmlns:a16="http://schemas.microsoft.com/office/drawing/2014/main" id="{4902B35F-EB60-CA9F-B45F-EB629D7A582F}"/>
               </a:ext>
             </a:extLst>
           </p:cNvPr>
@@ -2507,7 +2507,7 @@
           <p:cNvPr id="3" name="图片占位符 2">
             <a:extLst>
               <a:ext uri="{FF2B5EF4-FFF2-40B4-BE49-F238E27FC236}">
-                <a16:creationId xmlns:a16="http://schemas.microsoft.com/office/drawing/2014/main" id="{84FE8DE1-7EAA-9A6B-A634-9032B3548E14}"/>
+                <a16:creationId xmlns:a16="http://schemas.microsoft.com/office/drawing/2014/main" id="{E6E984A1-2B75-A3B1-E9D7-0E600CF7F601}"/>
               </a:ext>
             </a:extLst>
           </p:cNvPr>
@@ -2574,7 +2574,7 @@
           <p:cNvPr id="4" name="文本占位符 3">
             <a:extLst>
               <a:ext uri="{FF2B5EF4-FFF2-40B4-BE49-F238E27FC236}">
-                <a16:creationId xmlns:a16="http://schemas.microsoft.com/office/drawing/2014/main" id="{CB827C6F-1C8D-C493-56E5-5B78F55BAA06}"/>
+                <a16:creationId xmlns:a16="http://schemas.microsoft.com/office/drawing/2014/main" id="{CC6085EF-828B-82C6-E662-56F545781F44}"/>
               </a:ext>
             </a:extLst>
           </p:cNvPr>
@@ -2645,7 +2645,7 @@
           <p:cNvPr id="5" name="日期占位符 4">
             <a:extLst>
               <a:ext uri="{FF2B5EF4-FFF2-40B4-BE49-F238E27FC236}">
-                <a16:creationId xmlns:a16="http://schemas.microsoft.com/office/drawing/2014/main" id="{26DA8CC2-1870-08E6-7E66-E84B3FDA35DD}"/>
+                <a16:creationId xmlns:a16="http://schemas.microsoft.com/office/drawing/2014/main" id="{DE9D9CC0-DC15-FD6D-0CB7-F3EBB830D69D}"/>
               </a:ext>
             </a:extLst>
           </p:cNvPr>
@@ -2661,7 +2661,7 @@
           <a:bodyPr/>
           <a:lstStyle/>
           <a:p>
-            <a:fld id="{83E52DC7-BEDC-4079-88F6-79EC0663574A}" type="datetimeFigureOut">
+            <a:fld id="{90EE9BE4-AF58-4087-BAFE-C9AEA57189B8}" type="datetimeFigureOut">
               <a:rPr lang="zh-CN" altLang="en-US" smtClean="0"/>
               <a:t>2024/3/10</a:t>
             </a:fld>
@@ -2674,7 +2674,7 @@
           <p:cNvPr id="6" name="页脚占位符 5">
             <a:extLst>
               <a:ext uri="{FF2B5EF4-FFF2-40B4-BE49-F238E27FC236}">
-                <a16:creationId xmlns:a16="http://schemas.microsoft.com/office/drawing/2014/main" id="{A54EE7B1-46CE-508E-F88D-F85C6A97525F}"/>
+                <a16:creationId xmlns:a16="http://schemas.microsoft.com/office/drawing/2014/main" id="{C94EF1FF-3D0D-75D7-9E73-627BB367E659}"/>
               </a:ext>
             </a:extLst>
           </p:cNvPr>
@@ -2699,7 +2699,7 @@
           <p:cNvPr id="7" name="灯片编号占位符 6">
             <a:extLst>
               <a:ext uri="{FF2B5EF4-FFF2-40B4-BE49-F238E27FC236}">
-                <a16:creationId xmlns:a16="http://schemas.microsoft.com/office/drawing/2014/main" id="{36EC7429-117E-F002-7C3E-F4388BF5F46E}"/>
+                <a16:creationId xmlns:a16="http://schemas.microsoft.com/office/drawing/2014/main" id="{0F15BFD5-1542-6520-6899-E15B31392EE5}"/>
               </a:ext>
             </a:extLst>
           </p:cNvPr>
@@ -2715,7 +2715,7 @@
           <a:bodyPr/>
           <a:lstStyle/>
           <a:p>
-            <a:fld id="{EE1E825C-4DAB-4A62-8403-7A6DB1DF7F46}" type="slidenum">
+            <a:fld id="{B0E971D4-8D56-4601-9ED8-0427AC74BAA4}" type="slidenum">
               <a:rPr lang="zh-CN" altLang="en-US" smtClean="0"/>
               <a:t>‹#›</a:t>
             </a:fld>
@@ -2726,7 +2726,7 @@
     </p:spTree>
     <p:extLst>
       <p:ext uri="{BB962C8B-B14F-4D97-AF65-F5344CB8AC3E}">
-        <p14:creationId xmlns:p14="http://schemas.microsoft.com/office/powerpoint/2010/main" val="4194361853"/>
+        <p14:creationId xmlns:p14="http://schemas.microsoft.com/office/powerpoint/2010/main" val="2292712649"/>
       </p:ext>
     </p:extLst>
   </p:cSld>
@@ -2763,7 +2763,7 @@
           <p:cNvPr id="2" name="标题占位符 1">
             <a:extLst>
               <a:ext uri="{FF2B5EF4-FFF2-40B4-BE49-F238E27FC236}">
-                <a16:creationId xmlns:a16="http://schemas.microsoft.com/office/drawing/2014/main" id="{91EAB14D-3289-0DE7-EA00-30ECD2BC1146}"/>
+                <a16:creationId xmlns:a16="http://schemas.microsoft.com/office/drawing/2014/main" id="{50FDCEA1-37EF-0AF2-A00E-0E9D94E50612}"/>
               </a:ext>
             </a:extLst>
           </p:cNvPr>
@@ -2801,7 +2801,7 @@
           <p:cNvPr id="3" name="文本占位符 2">
             <a:extLst>
               <a:ext uri="{FF2B5EF4-FFF2-40B4-BE49-F238E27FC236}">
-                <a16:creationId xmlns:a16="http://schemas.microsoft.com/office/drawing/2014/main" id="{981C54A4-7CED-1328-8341-78B1933E6669}"/>
+                <a16:creationId xmlns:a16="http://schemas.microsoft.com/office/drawing/2014/main" id="{7DD82B19-E010-119E-69FE-310B300074BB}"/>
               </a:ext>
             </a:extLst>
           </p:cNvPr>
@@ -2868,7 +2868,7 @@
           <p:cNvPr id="4" name="日期占位符 3">
             <a:extLst>
               <a:ext uri="{FF2B5EF4-FFF2-40B4-BE49-F238E27FC236}">
-                <a16:creationId xmlns:a16="http://schemas.microsoft.com/office/drawing/2014/main" id="{6DEC09CB-6521-D71D-1141-7FA8367391D9}"/>
+                <a16:creationId xmlns:a16="http://schemas.microsoft.com/office/drawing/2014/main" id="{9C7731B7-DE31-587B-277B-01854935137D}"/>
               </a:ext>
             </a:extLst>
           </p:cNvPr>
@@ -2902,7 +2902,7 @@
             </a:lvl1pPr>
           </a:lstStyle>
           <a:p>
-            <a:fld id="{83E52DC7-BEDC-4079-88F6-79EC0663574A}" type="datetimeFigureOut">
+            <a:fld id="{90EE9BE4-AF58-4087-BAFE-C9AEA57189B8}" type="datetimeFigureOut">
               <a:rPr lang="zh-CN" altLang="en-US" smtClean="0"/>
               <a:t>2024/3/10</a:t>
             </a:fld>
@@ -2915,7 +2915,7 @@
           <p:cNvPr id="5" name="页脚占位符 4">
             <a:extLst>
               <a:ext uri="{FF2B5EF4-FFF2-40B4-BE49-F238E27FC236}">
-                <a16:creationId xmlns:a16="http://schemas.microsoft.com/office/drawing/2014/main" id="{1EAE9836-0B93-1B68-DBF0-6A8D68678752}"/>
+                <a16:creationId xmlns:a16="http://schemas.microsoft.com/office/drawing/2014/main" id="{597D1F43-5AEC-5127-74E4-74C813AF9238}"/>
               </a:ext>
             </a:extLst>
           </p:cNvPr>
@@ -2958,7 +2958,7 @@
           <p:cNvPr id="6" name="灯片编号占位符 5">
             <a:extLst>
               <a:ext uri="{FF2B5EF4-FFF2-40B4-BE49-F238E27FC236}">
-                <a16:creationId xmlns:a16="http://schemas.microsoft.com/office/drawing/2014/main" id="{3E2A5FC1-C015-E9D1-7FB2-0A730707179C}"/>
+                <a16:creationId xmlns:a16="http://schemas.microsoft.com/office/drawing/2014/main" id="{B2789584-96D4-87BE-A7D0-6313979D15C8}"/>
               </a:ext>
             </a:extLst>
           </p:cNvPr>
@@ -2992,7 +2992,7 @@
             </a:lvl1pPr>
           </a:lstStyle>
           <a:p>
-            <a:fld id="{EE1E825C-4DAB-4A62-8403-7A6DB1DF7F46}" type="slidenum">
+            <a:fld id="{B0E971D4-8D56-4601-9ED8-0427AC74BAA4}" type="slidenum">
               <a:rPr lang="zh-CN" altLang="en-US" smtClean="0"/>
               <a:t>‹#›</a:t>
             </a:fld>
@@ -3003,7 +3003,7 @@
     </p:spTree>
     <p:extLst>
       <p:ext uri="{BB962C8B-B14F-4D97-AF65-F5344CB8AC3E}">
-        <p14:creationId xmlns:p14="http://schemas.microsoft.com/office/powerpoint/2010/main" val="1436754940"/>
+        <p14:creationId xmlns:p14="http://schemas.microsoft.com/office/powerpoint/2010/main" val="2898266323"/>
       </p:ext>
     </p:extLst>
   </p:cSld>
@@ -3323,7 +3323,7 @@
       </p:grpSpPr>
       <p:pic>
         <p:nvPicPr>
-          <p:cNvPr id="565250" name="Picture 2" descr="551"/>
+          <p:cNvPr id="566274" name="Picture 2" descr="552"/>
           <p:cNvPicPr>
             <a:picLocks noChangeAspect="1" noChangeArrowheads="1"/>
           </p:cNvPicPr>
